--- a/Assignment/TASK formulating questions (2) (1).pptx
+++ b/Assignment/TASK formulating questions (2) (1).pptx
@@ -5134,40 +5134,285 @@
         <p:spPr>
           <a:xfrm>
             <a:off x="1000898" y="1634561"/>
-            <a:ext cx="1405971" cy="3956179"/>
+            <a:ext cx="10499124" cy="3956179"/>
           </a:xfrm>
         </p:spPr>
         <p:txBody>
-          <a:bodyPr/>
-          <a:lstStyle/>
-          <a:p>
-            <a:r>
-              <a:rPr lang="en-GB" dirty="0"/>
-              <a:t>Warm-up:</a:t>
-            </a:r>
-          </a:p>
-          <a:p>
+          <a:bodyPr>
+            <a:normAutofit fontScale="47500" lnSpcReduction="20000"/>
+          </a:bodyPr>
+          <a:lstStyle/>
+          <a:p>
+            <a:pPr marL="0" indent="0">
+              <a:buNone/>
+            </a:pPr>
+            <a:r>
+              <a:rPr lang="en-GB" b="1" dirty="0"/>
+              <a:t>Starter:</a:t>
+            </a:r>
+          </a:p>
+          <a:p>
+            <a:pPr marL="342900" lvl="0" indent="-342900">
+              <a:lnSpc>
+                <a:spcPct val="107000"/>
+              </a:lnSpc>
+              <a:buFont typeface="Symbol" panose="05050102010706020507" pitchFamily="18" charset="2"/>
+              <a:buChar char=""/>
+            </a:pPr>
+            <a:r>
+              <a:rPr lang="en-GB" sz="1800" dirty="0">
+                <a:effectLst/>
+                <a:latin typeface="Calibri" panose="020F0502020204030204" pitchFamily="34" charset="0"/>
+                <a:ea typeface="Calibri" panose="020F0502020204030204" pitchFamily="34" charset="0"/>
+                <a:cs typeface="Times New Roman" panose="02020603050405020304" pitchFamily="18" charset="0"/>
+              </a:rPr>
+              <a:t>What did you have breakfast today?</a:t>
+            </a:r>
+          </a:p>
+          <a:p>
+            <a:pPr marL="342900" lvl="0" indent="-342900">
+              <a:lnSpc>
+                <a:spcPct val="107000"/>
+              </a:lnSpc>
+              <a:spcAft>
+                <a:spcPts val="800"/>
+              </a:spcAft>
+              <a:buFont typeface="Symbol" panose="05050102010706020507" pitchFamily="18" charset="2"/>
+              <a:buChar char=""/>
+            </a:pPr>
+            <a:r>
+              <a:rPr lang="en-GB" sz="1800" dirty="0">
+                <a:effectLst/>
+                <a:latin typeface="Calibri" panose="020F0502020204030204" pitchFamily="34" charset="0"/>
+                <a:ea typeface="Calibri" panose="020F0502020204030204" pitchFamily="34" charset="0"/>
+                <a:cs typeface="Times New Roman" panose="02020603050405020304" pitchFamily="18" charset="0"/>
+              </a:rPr>
+              <a:t>Did you know this was going to be your breakfast this morning or did you decide when preparing?</a:t>
+            </a:r>
             <a:endParaRPr lang="en-GB" dirty="0"/>
           </a:p>
           <a:p>
+            <a:pPr marL="0" indent="0">
+              <a:buNone/>
+            </a:pPr>
+            <a:r>
+              <a:rPr lang="en-GB" b="1" dirty="0"/>
+              <a:t>Transition to main questions:</a:t>
+            </a:r>
+          </a:p>
+          <a:p>
+            <a:r>
+              <a:rPr lang="en-GB" sz="1800" dirty="0">
+                <a:effectLst/>
+                <a:latin typeface="Calibri" panose="020F0502020204030204" pitchFamily="34" charset="0"/>
+                <a:ea typeface="Calibri" panose="020F0502020204030204" pitchFamily="34" charset="0"/>
+                <a:cs typeface="Times New Roman" panose="02020603050405020304" pitchFamily="18" charset="0"/>
+              </a:rPr>
+              <a:t>Have you noticed a change in your eating habits since becoming an adult or moving out? - could you perhaps give a reason as to why?</a:t>
+            </a:r>
             <a:endParaRPr lang="en-GB" dirty="0"/>
           </a:p>
           <a:p>
-            <a:r>
-              <a:rPr lang="en-GB" dirty="0"/>
-              <a:t>Main section:</a:t>
-            </a:r>
-          </a:p>
-          <a:p>
-            <a:endParaRPr lang="en-GB" dirty="0"/>
-          </a:p>
-          <a:p>
-            <a:endParaRPr lang="en-GB" dirty="0"/>
-          </a:p>
-          <a:p>
-            <a:r>
-              <a:rPr lang="en-GB" dirty="0"/>
-              <a:t>End:</a:t>
+            <a:pPr marL="0" indent="0">
+              <a:buNone/>
+            </a:pPr>
+            <a:r>
+              <a:rPr lang="en-GB" b="1" dirty="0"/>
+              <a:t>Main questions:</a:t>
+            </a:r>
+          </a:p>
+          <a:p>
+            <a:pPr marL="342900" lvl="0" indent="-342900">
+              <a:lnSpc>
+                <a:spcPct val="107000"/>
+              </a:lnSpc>
+              <a:buFont typeface="Symbol" panose="05050102010706020507" pitchFamily="18" charset="2"/>
+              <a:buChar char=""/>
+            </a:pPr>
+            <a:r>
+              <a:rPr lang="en-GB" sz="1800" dirty="0">
+                <a:effectLst/>
+                <a:latin typeface="Calibri" panose="020F0502020204030204" pitchFamily="34" charset="0"/>
+                <a:ea typeface="Calibri" panose="020F0502020204030204" pitchFamily="34" charset="0"/>
+                <a:cs typeface="Times New Roman" panose="02020603050405020304" pitchFamily="18" charset="0"/>
+              </a:rPr>
+              <a:t>What does the word sustainable mean to you? – this is the definition given by national geographic, </a:t>
+            </a:r>
+            <a:r>
+              <a:rPr lang="en-US" sz="1800" dirty="0">
+                <a:effectLst/>
+                <a:latin typeface="Calibri" panose="020F0502020204030204" pitchFamily="34" charset="0"/>
+                <a:ea typeface="Calibri" panose="020F0502020204030204" pitchFamily="34" charset="0"/>
+                <a:cs typeface="Times New Roman" panose="02020603050405020304" pitchFamily="18" charset="0"/>
+              </a:rPr>
+              <a:t>“</a:t>
+            </a:r>
+            <a:r>
+              <a:rPr lang="en-GB" sz="1800" dirty="0">
+                <a:effectLst/>
+                <a:latin typeface="Calibri" panose="020F0502020204030204" pitchFamily="34" charset="0"/>
+                <a:ea typeface="Calibri" panose="020F0502020204030204" pitchFamily="34" charset="0"/>
+                <a:cs typeface="Times New Roman" panose="02020603050405020304" pitchFamily="18" charset="0"/>
+              </a:rPr>
+              <a:t>Sustainability is the practice of using natural resources responsibly today, so they are available for future generations tomorrow.</a:t>
+            </a:r>
+            <a:r>
+              <a:rPr lang="en-US" sz="1800" b="1" dirty="0">
+                <a:effectLst/>
+                <a:latin typeface="Calibri" panose="020F0502020204030204" pitchFamily="34" charset="0"/>
+                <a:ea typeface="Calibri" panose="020F0502020204030204" pitchFamily="34" charset="0"/>
+                <a:cs typeface="Times New Roman" panose="02020603050405020304" pitchFamily="18" charset="0"/>
+              </a:rPr>
+              <a:t>” – </a:t>
+            </a:r>
+            <a:r>
+              <a:rPr lang="en-US" sz="1800" dirty="0">
+                <a:effectLst/>
+                <a:latin typeface="Calibri" panose="020F0502020204030204" pitchFamily="34" charset="0"/>
+                <a:ea typeface="Calibri" panose="020F0502020204030204" pitchFamily="34" charset="0"/>
+                <a:cs typeface="Times New Roman" panose="02020603050405020304" pitchFamily="18" charset="0"/>
+              </a:rPr>
+              <a:t>hearing this, do you think this fits with your answer?</a:t>
+            </a:r>
+            <a:endParaRPr lang="en-GB" sz="1800" dirty="0">
+              <a:effectLst/>
+              <a:latin typeface="Calibri" panose="020F0502020204030204" pitchFamily="34" charset="0"/>
+              <a:ea typeface="Calibri" panose="020F0502020204030204" pitchFamily="34" charset="0"/>
+              <a:cs typeface="Times New Roman" panose="02020603050405020304" pitchFamily="18" charset="0"/>
+            </a:endParaRPr>
+          </a:p>
+          <a:p>
+            <a:pPr marL="342900" lvl="0" indent="-342900">
+              <a:lnSpc>
+                <a:spcPct val="107000"/>
+              </a:lnSpc>
+              <a:buFont typeface="Symbol" panose="05050102010706020507" pitchFamily="18" charset="2"/>
+              <a:buChar char=""/>
+            </a:pPr>
+            <a:r>
+              <a:rPr lang="en-GB" sz="1800" dirty="0">
+                <a:effectLst/>
+                <a:latin typeface="Calibri" panose="020F0502020204030204" pitchFamily="34" charset="0"/>
+                <a:ea typeface="Calibri" panose="020F0502020204030204" pitchFamily="34" charset="0"/>
+                <a:cs typeface="Times New Roman" panose="02020603050405020304" pitchFamily="18" charset="0"/>
+              </a:rPr>
+              <a:t>Could you give an example of a sustainable piece of food?</a:t>
+            </a:r>
+          </a:p>
+          <a:p>
+            <a:pPr marL="342900" lvl="0" indent="-342900">
+              <a:lnSpc>
+                <a:spcPct val="107000"/>
+              </a:lnSpc>
+              <a:buFont typeface="Symbol" panose="05050102010706020507" pitchFamily="18" charset="2"/>
+              <a:buChar char=""/>
+            </a:pPr>
+            <a:r>
+              <a:rPr lang="en-GB" sz="1800" dirty="0">
+                <a:effectLst/>
+                <a:latin typeface="Calibri" panose="020F0502020204030204" pitchFamily="34" charset="0"/>
+                <a:ea typeface="Calibri" panose="020F0502020204030204" pitchFamily="34" charset="0"/>
+                <a:cs typeface="Times New Roman" panose="02020603050405020304" pitchFamily="18" charset="0"/>
+              </a:rPr>
+              <a:t>What factors would you say affect your decision when making food?</a:t>
+            </a:r>
+          </a:p>
+          <a:p>
+            <a:pPr marL="342900" lvl="0" indent="-342900">
+              <a:lnSpc>
+                <a:spcPct val="107000"/>
+              </a:lnSpc>
+              <a:buFont typeface="Symbol" panose="05050102010706020507" pitchFamily="18" charset="2"/>
+              <a:buChar char=""/>
+            </a:pPr>
+            <a:r>
+              <a:rPr lang="en-GB" sz="1800" dirty="0">
+                <a:effectLst/>
+                <a:latin typeface="Calibri" panose="020F0502020204030204" pitchFamily="34" charset="0"/>
+                <a:ea typeface="Calibri" panose="020F0502020204030204" pitchFamily="34" charset="0"/>
+                <a:cs typeface="Times New Roman" panose="02020603050405020304" pitchFamily="18" charset="0"/>
+              </a:rPr>
+              <a:t>What do you think would push you to eat sustainably more often?</a:t>
+            </a:r>
+          </a:p>
+          <a:p>
+            <a:pPr marL="342900" lvl="0" indent="-342900">
+              <a:lnSpc>
+                <a:spcPct val="107000"/>
+              </a:lnSpc>
+              <a:buFont typeface="Symbol" panose="05050102010706020507" pitchFamily="18" charset="2"/>
+              <a:buChar char=""/>
+            </a:pPr>
+            <a:r>
+              <a:rPr lang="en-GB" sz="1800" dirty="0">
+                <a:effectLst/>
+                <a:latin typeface="Calibri" panose="020F0502020204030204" pitchFamily="34" charset="0"/>
+                <a:ea typeface="Calibri" panose="020F0502020204030204" pitchFamily="34" charset="0"/>
+                <a:cs typeface="Times New Roman" panose="02020603050405020304" pitchFamily="18" charset="0"/>
+              </a:rPr>
+              <a:t>Do you believe you have a good understanding of what makes a healthy &amp; balanced meal?</a:t>
+            </a:r>
+          </a:p>
+          <a:p>
+            <a:pPr marL="342900" lvl="0" indent="-342900">
+              <a:lnSpc>
+                <a:spcPct val="107000"/>
+              </a:lnSpc>
+              <a:spcAft>
+                <a:spcPts val="800"/>
+              </a:spcAft>
+              <a:buFont typeface="Symbol" panose="05050102010706020507" pitchFamily="18" charset="2"/>
+              <a:buChar char=""/>
+            </a:pPr>
+            <a:r>
+              <a:rPr lang="en-GB" sz="1800" dirty="0">
+                <a:effectLst/>
+                <a:latin typeface="Calibri" panose="020F0502020204030204" pitchFamily="34" charset="0"/>
+                <a:ea typeface="Calibri" panose="020F0502020204030204" pitchFamily="34" charset="0"/>
+                <a:cs typeface="Times New Roman" panose="02020603050405020304" pitchFamily="18" charset="0"/>
+              </a:rPr>
+              <a:t>Currently in society do you believe there is enough awareness around sustainable &amp; healthy eating?</a:t>
+            </a:r>
+          </a:p>
+          <a:p>
+            <a:pPr marL="0" lvl="0" indent="0">
+              <a:lnSpc>
+                <a:spcPct val="107000"/>
+              </a:lnSpc>
+              <a:spcAft>
+                <a:spcPts val="800"/>
+              </a:spcAft>
+              <a:buNone/>
+            </a:pPr>
+            <a:r>
+              <a:rPr lang="en-GB" sz="2100" b="1" dirty="0">
+                <a:effectLst/>
+                <a:latin typeface="+mj-lt"/>
+                <a:ea typeface="Calibri" panose="020F0502020204030204" pitchFamily="34" charset="0"/>
+                <a:cs typeface="Times New Roman" panose="02020603050405020304" pitchFamily="18" charset="0"/>
+              </a:rPr>
+              <a:t>Transition to ending:</a:t>
+            </a:r>
+          </a:p>
+          <a:p>
+            <a:pPr marL="342900" indent="-342900">
+              <a:lnSpc>
+                <a:spcPct val="107000"/>
+              </a:lnSpc>
+              <a:spcAft>
+                <a:spcPts val="800"/>
+              </a:spcAft>
+              <a:buFont typeface="Symbol" panose="05050102010706020507" pitchFamily="18" charset="2"/>
+              <a:buChar char=""/>
+            </a:pPr>
+            <a:r>
+              <a:rPr lang="en-GB" sz="1800" dirty="0">
+                <a:effectLst/>
+                <a:latin typeface="Calibri" panose="020F0502020204030204" pitchFamily="34" charset="0"/>
+                <a:ea typeface="Calibri" panose="020F0502020204030204" pitchFamily="34" charset="0"/>
+                <a:cs typeface="Times New Roman" panose="02020603050405020304" pitchFamily="18" charset="0"/>
+              </a:rPr>
+              <a:t>After talking and answering these questions, do you have any opinions or thoughts on the matter you would like to share?</a:t>
             </a:r>
           </a:p>
         </p:txBody>
@@ -5387,12 +5632,18 @@
 </file>
 
 <file path=customXml/item1.xml><?xml version="1.0" encoding="utf-8"?>
-<?mso-contentType ?>
-<FormTemplates xmlns="http://schemas.microsoft.com/sharepoint/v3/contenttype/forms">
-  <Display>DocumentLibraryForm</Display>
-  <Edit>DocumentLibraryForm</Edit>
-  <New>DocumentLibraryForm</New>
-</FormTemplates>
+<p:properties xmlns:p="http://schemas.microsoft.com/office/2006/metadata/properties" xmlns:xsi="http://www.w3.org/2001/XMLSchema-instance" xmlns:pc="http://schemas.microsoft.com/office/infopath/2007/PartnerControls">
+  <documentManagement>
+    <lcf76f155ced4ddcb4097134ff3c332f xmlns="3ca5950f-9dc6-4fa2-8e6b-e8b0d1a55fc5">
+      <Terms xmlns="http://schemas.microsoft.com/office/infopath/2007/PartnerControls"/>
+    </lcf76f155ced4ddcb4097134ff3c332f>
+    <link xmlns="3ca5950f-9dc6-4fa2-8e6b-e8b0d1a55fc5">
+      <Url xsi:nil="true"/>
+      <Description xsi:nil="true"/>
+    </link>
+    <TaxCatchAll xmlns="da5699a2-2791-44c0-bb0a-d0c081c141e6" xsi:nil="true"/>
+  </documentManagement>
+</p:properties>
 </file>
 
 <file path=customXml/item2.xml><?xml version="1.0" encoding="utf-8"?>
@@ -5652,24 +5903,21 @@
 </file>
 
 <file path=customXml/item3.xml><?xml version="1.0" encoding="utf-8"?>
-<p:properties xmlns:p="http://schemas.microsoft.com/office/2006/metadata/properties" xmlns:xsi="http://www.w3.org/2001/XMLSchema-instance" xmlns:pc="http://schemas.microsoft.com/office/infopath/2007/PartnerControls">
-  <documentManagement>
-    <lcf76f155ced4ddcb4097134ff3c332f xmlns="3ca5950f-9dc6-4fa2-8e6b-e8b0d1a55fc5">
-      <Terms xmlns="http://schemas.microsoft.com/office/infopath/2007/PartnerControls"/>
-    </lcf76f155ced4ddcb4097134ff3c332f>
-    <link xmlns="3ca5950f-9dc6-4fa2-8e6b-e8b0d1a55fc5">
-      <Url xsi:nil="true"/>
-      <Description xsi:nil="true"/>
-    </link>
-    <TaxCatchAll xmlns="da5699a2-2791-44c0-bb0a-d0c081c141e6" xsi:nil="true"/>
-  </documentManagement>
-</p:properties>
+<?mso-contentType ?>
+<FormTemplates xmlns="http://schemas.microsoft.com/sharepoint/v3/contenttype/forms">
+  <Display>DocumentLibraryForm</Display>
+  <Edit>DocumentLibraryForm</Edit>
+  <New>DocumentLibraryForm</New>
+</FormTemplates>
 </file>
 
 <file path=customXml/itemProps1.xml><?xml version="1.0" encoding="utf-8"?>
-<ds:datastoreItem xmlns:ds="http://schemas.openxmlformats.org/officeDocument/2006/customXml" ds:itemID="{C18DA9A4-7FC0-41BF-A8CE-19861F61EE3A}">
+<ds:datastoreItem xmlns:ds="http://schemas.openxmlformats.org/officeDocument/2006/customXml" ds:itemID="{C9C6C5BE-0515-4448-A6DB-1FCB0B9A0FA4}">
   <ds:schemaRefs>
-    <ds:schemaRef ds:uri="http://schemas.microsoft.com/sharepoint/v3/contenttype/forms"/>
+    <ds:schemaRef ds:uri="http://schemas.microsoft.com/office/2006/metadata/properties"/>
+    <ds:schemaRef ds:uri="http://schemas.microsoft.com/office/infopath/2007/PartnerControls"/>
+    <ds:schemaRef ds:uri="3ca5950f-9dc6-4fa2-8e6b-e8b0d1a55fc5"/>
+    <ds:schemaRef ds:uri="da5699a2-2791-44c0-bb0a-d0c081c141e6"/>
   </ds:schemaRefs>
 </ds:datastoreItem>
 </file>
@@ -5694,12 +5942,9 @@
 </file>
 
 <file path=customXml/itemProps3.xml><?xml version="1.0" encoding="utf-8"?>
-<ds:datastoreItem xmlns:ds="http://schemas.openxmlformats.org/officeDocument/2006/customXml" ds:itemID="{C9C6C5BE-0515-4448-A6DB-1FCB0B9A0FA4}">
+<ds:datastoreItem xmlns:ds="http://schemas.openxmlformats.org/officeDocument/2006/customXml" ds:itemID="{C18DA9A4-7FC0-41BF-A8CE-19861F61EE3A}">
   <ds:schemaRefs>
-    <ds:schemaRef ds:uri="http://schemas.microsoft.com/office/2006/metadata/properties"/>
-    <ds:schemaRef ds:uri="http://schemas.microsoft.com/office/infopath/2007/PartnerControls"/>
-    <ds:schemaRef ds:uri="3ca5950f-9dc6-4fa2-8e6b-e8b0d1a55fc5"/>
-    <ds:schemaRef ds:uri="da5699a2-2791-44c0-bb0a-d0c081c141e6"/>
+    <ds:schemaRef ds:uri="http://schemas.microsoft.com/sharepoint/v3/contenttype/forms"/>
   </ds:schemaRefs>
 </ds:datastoreItem>
 </file>